--- a/2023-rit-visit/images/figs.pptx
+++ b/2023-rit-visit/images/figs.pptx
@@ -5,7 +5,7 @@
     <p:sldMasterId id="2147483648" r:id="rId1"/>
   </p:sldMasterIdLst>
   <p:notesMasterIdLst>
-    <p:notesMasterId r:id="rId7"/>
+    <p:notesMasterId r:id="rId9"/>
   </p:notesMasterIdLst>
   <p:sldIdLst>
     <p:sldId id="264" r:id="rId2"/>
@@ -13,6 +13,8 @@
     <p:sldId id="267" r:id="rId4"/>
     <p:sldId id="269" r:id="rId5"/>
     <p:sldId id="270" r:id="rId6"/>
+    <p:sldId id="271" r:id="rId7"/>
+    <p:sldId id="272" r:id="rId8"/>
   </p:sldIdLst>
   <p:sldSz cx="12192000" cy="6858000"/>
   <p:notesSz cx="6858000" cy="9144000"/>
@@ -201,7 +203,7 @@
           <a:p>
             <a:fld id="{DDE43AE0-814C-EC4C-8E73-CDA1027DF26F}" type="datetimeFigureOut">
               <a:rPr lang="en-US" smtClean="0"/>
-              <a:t>9/29/23</a:t>
+              <a:t>10/4/23</a:t>
             </a:fld>
             <a:endParaRPr lang="en-US"/>
           </a:p>
@@ -888,6 +890,174 @@
 </p:notes>
 </file>
 
+<file path=ppt/notesSlides/notesSlide6.xml><?xml version="1.0" encoding="utf-8"?>
+<p:notes xmlns:a="http://schemas.openxmlformats.org/drawingml/2006/main" xmlns:r="http://schemas.openxmlformats.org/officeDocument/2006/relationships" xmlns:p="http://schemas.openxmlformats.org/presentationml/2006/main">
+  <p:cSld>
+    <p:spTree>
+      <p:nvGrpSpPr>
+        <p:cNvPr id="1" name=""/>
+        <p:cNvGrpSpPr/>
+        <p:nvPr/>
+      </p:nvGrpSpPr>
+      <p:grpSpPr>
+        <a:xfrm>
+          <a:off x="0" y="0"/>
+          <a:ext cx="0" cy="0"/>
+          <a:chOff x="0" y="0"/>
+          <a:chExt cx="0" cy="0"/>
+        </a:xfrm>
+      </p:grpSpPr>
+      <p:sp>
+        <p:nvSpPr>
+          <p:cNvPr id="2" name="Slide Image Placeholder 1"/>
+          <p:cNvSpPr>
+            <a:spLocks noGrp="1" noRot="1" noChangeAspect="1"/>
+          </p:cNvSpPr>
+          <p:nvPr>
+            <p:ph type="sldImg"/>
+          </p:nvPr>
+        </p:nvSpPr>
+        <p:spPr/>
+      </p:sp>
+      <p:sp>
+        <p:nvSpPr>
+          <p:cNvPr id="3" name="Notes Placeholder 2"/>
+          <p:cNvSpPr>
+            <a:spLocks noGrp="1"/>
+          </p:cNvSpPr>
+          <p:nvPr>
+            <p:ph type="body" idx="1"/>
+          </p:nvPr>
+        </p:nvSpPr>
+        <p:spPr/>
+        <p:txBody>
+          <a:bodyPr/>
+          <a:lstStyle/>
+          <a:p>
+            <a:endParaRPr lang="en-US" dirty="0"/>
+          </a:p>
+        </p:txBody>
+      </p:sp>
+      <p:sp>
+        <p:nvSpPr>
+          <p:cNvPr id="4" name="Slide Number Placeholder 3"/>
+          <p:cNvSpPr>
+            <a:spLocks noGrp="1"/>
+          </p:cNvSpPr>
+          <p:nvPr>
+            <p:ph type="sldNum" sz="quarter" idx="5"/>
+          </p:nvPr>
+        </p:nvSpPr>
+        <p:spPr/>
+        <p:txBody>
+          <a:bodyPr/>
+          <a:lstStyle/>
+          <a:p>
+            <a:fld id="{78641719-6AB9-A644-B5D3-4C74DBC8C2C8}" type="slidenum">
+              <a:rPr lang="en-US" smtClean="0"/>
+              <a:t>6</a:t>
+            </a:fld>
+            <a:endParaRPr lang="en-US"/>
+          </a:p>
+        </p:txBody>
+      </p:sp>
+    </p:spTree>
+    <p:extLst>
+      <p:ext uri="{BB962C8B-B14F-4D97-AF65-F5344CB8AC3E}">
+        <p14:creationId xmlns:p14="http://schemas.microsoft.com/office/powerpoint/2010/main" val="2619827214"/>
+      </p:ext>
+    </p:extLst>
+  </p:cSld>
+  <p:clrMapOvr>
+    <a:masterClrMapping/>
+  </p:clrMapOvr>
+</p:notes>
+</file>
+
+<file path=ppt/notesSlides/notesSlide7.xml><?xml version="1.0" encoding="utf-8"?>
+<p:notes xmlns:a="http://schemas.openxmlformats.org/drawingml/2006/main" xmlns:r="http://schemas.openxmlformats.org/officeDocument/2006/relationships" xmlns:p="http://schemas.openxmlformats.org/presentationml/2006/main">
+  <p:cSld>
+    <p:spTree>
+      <p:nvGrpSpPr>
+        <p:cNvPr id="1" name=""/>
+        <p:cNvGrpSpPr/>
+        <p:nvPr/>
+      </p:nvGrpSpPr>
+      <p:grpSpPr>
+        <a:xfrm>
+          <a:off x="0" y="0"/>
+          <a:ext cx="0" cy="0"/>
+          <a:chOff x="0" y="0"/>
+          <a:chExt cx="0" cy="0"/>
+        </a:xfrm>
+      </p:grpSpPr>
+      <p:sp>
+        <p:nvSpPr>
+          <p:cNvPr id="2" name="Slide Image Placeholder 1"/>
+          <p:cNvSpPr>
+            <a:spLocks noGrp="1" noRot="1" noChangeAspect="1"/>
+          </p:cNvSpPr>
+          <p:nvPr>
+            <p:ph type="sldImg"/>
+          </p:nvPr>
+        </p:nvSpPr>
+        <p:spPr/>
+      </p:sp>
+      <p:sp>
+        <p:nvSpPr>
+          <p:cNvPr id="3" name="Notes Placeholder 2"/>
+          <p:cNvSpPr>
+            <a:spLocks noGrp="1"/>
+          </p:cNvSpPr>
+          <p:nvPr>
+            <p:ph type="body" idx="1"/>
+          </p:nvPr>
+        </p:nvSpPr>
+        <p:spPr/>
+        <p:txBody>
+          <a:bodyPr/>
+          <a:lstStyle/>
+          <a:p>
+            <a:endParaRPr lang="en-US" dirty="0"/>
+          </a:p>
+        </p:txBody>
+      </p:sp>
+      <p:sp>
+        <p:nvSpPr>
+          <p:cNvPr id="4" name="Slide Number Placeholder 3"/>
+          <p:cNvSpPr>
+            <a:spLocks noGrp="1"/>
+          </p:cNvSpPr>
+          <p:nvPr>
+            <p:ph type="sldNum" sz="quarter" idx="5"/>
+          </p:nvPr>
+        </p:nvSpPr>
+        <p:spPr/>
+        <p:txBody>
+          <a:bodyPr/>
+          <a:lstStyle/>
+          <a:p>
+            <a:fld id="{78641719-6AB9-A644-B5D3-4C74DBC8C2C8}" type="slidenum">
+              <a:rPr lang="en-US" smtClean="0"/>
+              <a:t>7</a:t>
+            </a:fld>
+            <a:endParaRPr lang="en-US"/>
+          </a:p>
+        </p:txBody>
+      </p:sp>
+    </p:spTree>
+    <p:extLst>
+      <p:ext uri="{BB962C8B-B14F-4D97-AF65-F5344CB8AC3E}">
+        <p14:creationId xmlns:p14="http://schemas.microsoft.com/office/powerpoint/2010/main" val="2740745666"/>
+      </p:ext>
+    </p:extLst>
+  </p:cSld>
+  <p:clrMapOvr>
+    <a:masterClrMapping/>
+  </p:clrMapOvr>
+</p:notes>
+</file>
+
 <file path=ppt/slideLayouts/slideLayout1.xml><?xml version="1.0" encoding="utf-8"?>
 <p:sldLayout xmlns:a="http://schemas.openxmlformats.org/drawingml/2006/main" xmlns:r="http://schemas.openxmlformats.org/officeDocument/2006/relationships" xmlns:p="http://schemas.openxmlformats.org/presentationml/2006/main" type="title" preserve="1">
   <p:cSld name="Title Slide">
@@ -1035,7 +1205,7 @@
           <a:p>
             <a:fld id="{92682F85-1444-104A-AF26-838A90D13B6F}" type="datetimeFigureOut">
               <a:rPr lang="en-US" smtClean="0"/>
-              <a:t>9/29/23</a:t>
+              <a:t>10/4/23</a:t>
             </a:fld>
             <a:endParaRPr lang="en-US"/>
           </a:p>
@@ -1233,7 +1403,7 @@
           <a:p>
             <a:fld id="{92682F85-1444-104A-AF26-838A90D13B6F}" type="datetimeFigureOut">
               <a:rPr lang="en-US" smtClean="0"/>
-              <a:t>9/29/23</a:t>
+              <a:t>10/4/23</a:t>
             </a:fld>
             <a:endParaRPr lang="en-US"/>
           </a:p>
@@ -1441,7 +1611,7 @@
           <a:p>
             <a:fld id="{92682F85-1444-104A-AF26-838A90D13B6F}" type="datetimeFigureOut">
               <a:rPr lang="en-US" smtClean="0"/>
-              <a:t>9/29/23</a:t>
+              <a:t>10/4/23</a:t>
             </a:fld>
             <a:endParaRPr lang="en-US"/>
           </a:p>
@@ -1639,7 +1809,7 @@
           <a:p>
             <a:fld id="{92682F85-1444-104A-AF26-838A90D13B6F}" type="datetimeFigureOut">
               <a:rPr lang="en-US" smtClean="0"/>
-              <a:t>9/29/23</a:t>
+              <a:t>10/4/23</a:t>
             </a:fld>
             <a:endParaRPr lang="en-US"/>
           </a:p>
@@ -1914,7 +2084,7 @@
           <a:p>
             <a:fld id="{92682F85-1444-104A-AF26-838A90D13B6F}" type="datetimeFigureOut">
               <a:rPr lang="en-US" smtClean="0"/>
-              <a:t>9/29/23</a:t>
+              <a:t>10/4/23</a:t>
             </a:fld>
             <a:endParaRPr lang="en-US"/>
           </a:p>
@@ -2179,7 +2349,7 @@
           <a:p>
             <a:fld id="{92682F85-1444-104A-AF26-838A90D13B6F}" type="datetimeFigureOut">
               <a:rPr lang="en-US" smtClean="0"/>
-              <a:t>9/29/23</a:t>
+              <a:t>10/4/23</a:t>
             </a:fld>
             <a:endParaRPr lang="en-US"/>
           </a:p>
@@ -2591,7 +2761,7 @@
           <a:p>
             <a:fld id="{92682F85-1444-104A-AF26-838A90D13B6F}" type="datetimeFigureOut">
               <a:rPr lang="en-US" smtClean="0"/>
-              <a:t>9/29/23</a:t>
+              <a:t>10/4/23</a:t>
             </a:fld>
             <a:endParaRPr lang="en-US"/>
           </a:p>
@@ -2732,7 +2902,7 @@
           <a:p>
             <a:fld id="{92682F85-1444-104A-AF26-838A90D13B6F}" type="datetimeFigureOut">
               <a:rPr lang="en-US" smtClean="0"/>
-              <a:t>9/29/23</a:t>
+              <a:t>10/4/23</a:t>
             </a:fld>
             <a:endParaRPr lang="en-US"/>
           </a:p>
@@ -2845,7 +3015,7 @@
           <a:p>
             <a:fld id="{92682F85-1444-104A-AF26-838A90D13B6F}" type="datetimeFigureOut">
               <a:rPr lang="en-US" smtClean="0"/>
-              <a:t>9/29/23</a:t>
+              <a:t>10/4/23</a:t>
             </a:fld>
             <a:endParaRPr lang="en-US"/>
           </a:p>
@@ -3156,7 +3326,7 @@
           <a:p>
             <a:fld id="{92682F85-1444-104A-AF26-838A90D13B6F}" type="datetimeFigureOut">
               <a:rPr lang="en-US" smtClean="0"/>
-              <a:t>9/29/23</a:t>
+              <a:t>10/4/23</a:t>
             </a:fld>
             <a:endParaRPr lang="en-US"/>
           </a:p>
@@ -3444,7 +3614,7 @@
           <a:p>
             <a:fld id="{92682F85-1444-104A-AF26-838A90D13B6F}" type="datetimeFigureOut">
               <a:rPr lang="en-US" smtClean="0"/>
-              <a:t>9/29/23</a:t>
+              <a:t>10/4/23</a:t>
             </a:fld>
             <a:endParaRPr lang="en-US"/>
           </a:p>
@@ -3685,7 +3855,7 @@
           <a:p>
             <a:fld id="{92682F85-1444-104A-AF26-838A90D13B6F}" type="datetimeFigureOut">
               <a:rPr lang="en-US" smtClean="0"/>
-              <a:t>9/29/23</a:t>
+              <a:t>10/4/23</a:t>
             </a:fld>
             <a:endParaRPr lang="en-US"/>
           </a:p>
@@ -5567,6 +5737,240 @@
     <p:extLst>
       <p:ext uri="{BB962C8B-B14F-4D97-AF65-F5344CB8AC3E}">
         <p14:creationId xmlns:p14="http://schemas.microsoft.com/office/powerpoint/2010/main" val="3998680951"/>
+      </p:ext>
+    </p:extLst>
+  </p:cSld>
+  <p:clrMapOvr>
+    <a:masterClrMapping/>
+  </p:clrMapOvr>
+</p:sld>
+</file>
+
+<file path=ppt/slides/slide6.xml><?xml version="1.0" encoding="utf-8"?>
+<p:sld xmlns:a="http://schemas.openxmlformats.org/drawingml/2006/main" xmlns:r="http://schemas.openxmlformats.org/officeDocument/2006/relationships" xmlns:p="http://schemas.openxmlformats.org/presentationml/2006/main">
+  <p:cSld>
+    <p:spTree>
+      <p:nvGrpSpPr>
+        <p:cNvPr id="1" name=""/>
+        <p:cNvGrpSpPr/>
+        <p:nvPr/>
+      </p:nvGrpSpPr>
+      <p:grpSpPr>
+        <a:xfrm>
+          <a:off x="0" y="0"/>
+          <a:ext cx="0" cy="0"/>
+          <a:chOff x="0" y="0"/>
+          <a:chExt cx="0" cy="0"/>
+        </a:xfrm>
+      </p:grpSpPr>
+      <p:pic>
+        <p:nvPicPr>
+          <p:cNvPr id="4" name="Picture 3" descr="A table of numbers and a number of numbers&#10;&#10;Description automatically generated with medium confidence">
+            <a:extLst>
+              <a:ext uri="{FF2B5EF4-FFF2-40B4-BE49-F238E27FC236}">
+                <a16:creationId xmlns:a16="http://schemas.microsoft.com/office/drawing/2014/main" id="{104AF058-8E60-CA62-64E6-0B8F12644CBD}"/>
+              </a:ext>
+            </a:extLst>
+          </p:cNvPr>
+          <p:cNvPicPr>
+            <a:picLocks noChangeAspect="1"/>
+          </p:cNvPicPr>
+          <p:nvPr/>
+        </p:nvPicPr>
+        <p:blipFill rotWithShape="1">
+          <a:blip r:embed="rId3"/>
+          <a:srcRect t="55179"/>
+          <a:stretch/>
+        </p:blipFill>
+        <p:spPr>
+          <a:xfrm>
+            <a:off x="1533030" y="2226171"/>
+            <a:ext cx="7273513" cy="4483510"/>
+          </a:xfrm>
+          <a:prstGeom prst="rect">
+            <a:avLst/>
+          </a:prstGeom>
+        </p:spPr>
+      </p:pic>
+      <p:pic>
+        <p:nvPicPr>
+          <p:cNvPr id="3" name="Picture 2" descr="A table of numbers and a number of numbers&#10;&#10;Description automatically generated with medium confidence">
+            <a:extLst>
+              <a:ext uri="{FF2B5EF4-FFF2-40B4-BE49-F238E27FC236}">
+                <a16:creationId xmlns:a16="http://schemas.microsoft.com/office/drawing/2014/main" id="{E25C79BB-FD7A-2997-B4AA-376E96BEDC3A}"/>
+              </a:ext>
+            </a:extLst>
+          </p:cNvPr>
+          <p:cNvPicPr>
+            <a:picLocks noChangeAspect="1"/>
+          </p:cNvPicPr>
+          <p:nvPr/>
+        </p:nvPicPr>
+        <p:blipFill rotWithShape="1">
+          <a:blip r:embed="rId3"/>
+          <a:srcRect b="84345"/>
+          <a:stretch/>
+        </p:blipFill>
+        <p:spPr>
+          <a:xfrm>
+            <a:off x="1533030" y="660216"/>
+            <a:ext cx="7273514" cy="1565955"/>
+          </a:xfrm>
+          <a:prstGeom prst="rect">
+            <a:avLst/>
+          </a:prstGeom>
+        </p:spPr>
+      </p:pic>
+    </p:spTree>
+    <p:extLst>
+      <p:ext uri="{BB962C8B-B14F-4D97-AF65-F5344CB8AC3E}">
+        <p14:creationId xmlns:p14="http://schemas.microsoft.com/office/powerpoint/2010/main" val="2903466557"/>
+      </p:ext>
+    </p:extLst>
+  </p:cSld>
+  <p:clrMapOvr>
+    <a:masterClrMapping/>
+  </p:clrMapOvr>
+</p:sld>
+</file>
+
+<file path=ppt/slides/slide7.xml><?xml version="1.0" encoding="utf-8"?>
+<p:sld xmlns:a="http://schemas.openxmlformats.org/drawingml/2006/main" xmlns:r="http://schemas.openxmlformats.org/officeDocument/2006/relationships" xmlns:p="http://schemas.openxmlformats.org/presentationml/2006/main">
+  <p:cSld>
+    <p:spTree>
+      <p:nvGrpSpPr>
+        <p:cNvPr id="1" name=""/>
+        <p:cNvGrpSpPr/>
+        <p:nvPr/>
+      </p:nvGrpSpPr>
+      <p:grpSpPr>
+        <a:xfrm>
+          <a:off x="0" y="0"/>
+          <a:ext cx="0" cy="0"/>
+          <a:chOff x="0" y="0"/>
+          <a:chExt cx="0" cy="0"/>
+        </a:xfrm>
+      </p:grpSpPr>
+      <p:pic>
+        <p:nvPicPr>
+          <p:cNvPr id="5" name="Picture 4">
+            <a:extLst>
+              <a:ext uri="{FF2B5EF4-FFF2-40B4-BE49-F238E27FC236}">
+                <a16:creationId xmlns:a16="http://schemas.microsoft.com/office/drawing/2014/main" id="{9265D7C6-E04F-F9B1-3A8C-73E1A8EB0928}"/>
+              </a:ext>
+            </a:extLst>
+          </p:cNvPr>
+          <p:cNvPicPr>
+            <a:picLocks noChangeAspect="1"/>
+          </p:cNvPicPr>
+          <p:nvPr/>
+        </p:nvPicPr>
+        <p:blipFill rotWithShape="1">
+          <a:blip r:embed="rId3"/>
+          <a:srcRect t="4445" b="56032"/>
+          <a:stretch/>
+        </p:blipFill>
+        <p:spPr>
+          <a:xfrm>
+            <a:off x="-489851" y="1220995"/>
+            <a:ext cx="6379027" cy="3961940"/>
+          </a:xfrm>
+          <a:prstGeom prst="rect">
+            <a:avLst/>
+          </a:prstGeom>
+        </p:spPr>
+      </p:pic>
+      <p:pic>
+        <p:nvPicPr>
+          <p:cNvPr id="6" name="Picture 5">
+            <a:extLst>
+              <a:ext uri="{FF2B5EF4-FFF2-40B4-BE49-F238E27FC236}">
+                <a16:creationId xmlns:a16="http://schemas.microsoft.com/office/drawing/2014/main" id="{50CFBCB3-3361-DE10-11F1-6E0F31433C0D}"/>
+              </a:ext>
+            </a:extLst>
+          </p:cNvPr>
+          <p:cNvPicPr>
+            <a:picLocks noChangeAspect="1"/>
+          </p:cNvPicPr>
+          <p:nvPr/>
+        </p:nvPicPr>
+        <p:blipFill rotWithShape="1">
+          <a:blip r:embed="rId3"/>
+          <a:srcRect t="43809" b="3649"/>
+          <a:stretch/>
+        </p:blipFill>
+        <p:spPr>
+          <a:xfrm>
+            <a:off x="5812974" y="1220995"/>
+            <a:ext cx="6379027" cy="5266891"/>
+          </a:xfrm>
+          <a:prstGeom prst="rect">
+            <a:avLst/>
+          </a:prstGeom>
+        </p:spPr>
+      </p:pic>
+      <p:pic>
+        <p:nvPicPr>
+          <p:cNvPr id="7" name="Picture 6">
+            <a:extLst>
+              <a:ext uri="{FF2B5EF4-FFF2-40B4-BE49-F238E27FC236}">
+                <a16:creationId xmlns:a16="http://schemas.microsoft.com/office/drawing/2014/main" id="{B53E24FB-DA6F-EB69-3478-EE0535BDA9F1}"/>
+              </a:ext>
+            </a:extLst>
+          </p:cNvPr>
+          <p:cNvPicPr>
+            <a:picLocks noChangeAspect="1"/>
+          </p:cNvPicPr>
+          <p:nvPr/>
+        </p:nvPicPr>
+        <p:blipFill rotWithShape="1">
+          <a:blip r:embed="rId3"/>
+          <a:srcRect b="95318"/>
+          <a:stretch/>
+        </p:blipFill>
+        <p:spPr>
+          <a:xfrm>
+            <a:off x="180108" y="150969"/>
+            <a:ext cx="10392664" cy="764722"/>
+          </a:xfrm>
+          <a:prstGeom prst="rect">
+            <a:avLst/>
+          </a:prstGeom>
+        </p:spPr>
+      </p:pic>
+      <p:pic>
+        <p:nvPicPr>
+          <p:cNvPr id="8" name="Picture 7">
+            <a:extLst>
+              <a:ext uri="{FF2B5EF4-FFF2-40B4-BE49-F238E27FC236}">
+                <a16:creationId xmlns:a16="http://schemas.microsoft.com/office/drawing/2014/main" id="{0D2C8D15-A2AB-FF89-7725-0BB3C5F46FD8}"/>
+              </a:ext>
+            </a:extLst>
+          </p:cNvPr>
+          <p:cNvPicPr>
+            <a:picLocks noChangeAspect="1"/>
+          </p:cNvPicPr>
+          <p:nvPr/>
+        </p:nvPicPr>
+        <p:blipFill rotWithShape="1">
+          <a:blip r:embed="rId3"/>
+          <a:srcRect l="20067" t="96887" r="35245"/>
+          <a:stretch/>
+        </p:blipFill>
+        <p:spPr>
+          <a:xfrm>
+            <a:off x="602724" y="5870600"/>
+            <a:ext cx="5390119" cy="590040"/>
+          </a:xfrm>
+          <a:prstGeom prst="rect">
+            <a:avLst/>
+          </a:prstGeom>
+        </p:spPr>
+      </p:pic>
+    </p:spTree>
+    <p:extLst>
+      <p:ext uri="{BB962C8B-B14F-4D97-AF65-F5344CB8AC3E}">
+        <p14:creationId xmlns:p14="http://schemas.microsoft.com/office/powerpoint/2010/main" val="3128425556"/>
       </p:ext>
     </p:extLst>
   </p:cSld>

--- a/2023-rit-visit/images/figs.pptx
+++ b/2023-rit-visit/images/figs.pptx
@@ -5961,6 +5961,35 @@
           <a:xfrm>
             <a:off x="602724" y="5870600"/>
             <a:ext cx="5390119" cy="590040"/>
+          </a:xfrm>
+          <a:prstGeom prst="rect">
+            <a:avLst/>
+          </a:prstGeom>
+        </p:spPr>
+      </p:pic>
+      <p:pic>
+        <p:nvPicPr>
+          <p:cNvPr id="2" name="Picture 1">
+            <a:extLst>
+              <a:ext uri="{FF2B5EF4-FFF2-40B4-BE49-F238E27FC236}">
+                <a16:creationId xmlns:a16="http://schemas.microsoft.com/office/drawing/2014/main" id="{2E431B33-B016-6F74-77A9-F28CBB02BB8E}"/>
+              </a:ext>
+            </a:extLst>
+          </p:cNvPr>
+          <p:cNvPicPr>
+            <a:picLocks noChangeAspect="1"/>
+          </p:cNvPicPr>
+          <p:nvPr/>
+        </p:nvPicPr>
+        <p:blipFill rotWithShape="1">
+          <a:blip r:embed="rId3"/>
+          <a:srcRect t="92284" b="3649"/>
+          <a:stretch/>
+        </p:blipFill>
+        <p:spPr>
+          <a:xfrm>
+            <a:off x="-489851" y="5130385"/>
+            <a:ext cx="6379027" cy="407652"/>
           </a:xfrm>
           <a:prstGeom prst="rect">
             <a:avLst/>
